--- a/Monitore_Proyecto.pptx
+++ b/Monitore_Proyecto.pptx
@@ -4803,7 +4803,7 @@
         </p:spPr>
         <p:txBody>
           <a:bodyPr>
-            <a:normAutofit/>
+            <a:normAutofit fontScale="92500"/>
           </a:bodyPr>
           <a:lstStyle/>
           <a:p>
@@ -4833,8 +4833,15 @@
             </a:pPr>
             <a:r>
               <a:rPr lang="es-419" sz="1600" dirty="0"/>
-              <a:t>Link de acceso a Git:</a:t>
-            </a:r>
+              <a:t>Link de acceso a Git: </a:t>
+            </a:r>
+            <a:r>
+              <a:rPr lang="es-419" sz="1600" dirty="0">
+                <a:hlinkClick r:id="rId4"/>
+              </a:rPr>
+              <a:t>https://github.com/Danielacvd/ICF232_202010_GRUPO3-sw2</a:t>
+            </a:r>
+            <a:endParaRPr lang="es-419" sz="1600" dirty="0"/>
           </a:p>
           <a:p>
             <a:pPr marL="285750" indent="-285750">
@@ -4843,7 +4850,17 @@
             </a:pPr>
             <a:r>
               <a:rPr lang="es-419" sz="1600" dirty="0"/>
-              <a:t>Jefe de proyecto:</a:t>
+              <a:t>Jefe de proyecto: Marcelo Letelier Palomares.</a:t>
+            </a:r>
+          </a:p>
+          <a:p>
+            <a:pPr marL="285750" indent="-285750">
+              <a:buFont typeface="Arial" panose="020B0604020202020204" pitchFamily="34" charset="0"/>
+              <a:buChar char="•"/>
+            </a:pPr>
+            <a:r>
+              <a:rPr lang="es-419" sz="1600" dirty="0"/>
+              <a:t>m.letelierpalomares@uandresbello.edu</a:t>
             </a:r>
           </a:p>
         </p:txBody>
@@ -4892,7 +4909,7 @@
           <p:nvPr/>
         </p:nvPicPr>
         <p:blipFill>
-          <a:blip r:embed="rId4" cstate="print">
+          <a:blip r:embed="rId5" cstate="print">
             <a:extLst>
               <a:ext uri="{28A0092B-C50C-407E-A947-70E740481C1C}">
                 <a14:useLocalDpi xmlns:a14="http://schemas.microsoft.com/office/drawing/2010/main" val="0"/>
